--- a/Madhav E-Commerce Store PPT.pptx
+++ b/Madhav E-Commerce Store PPT.pptx
@@ -114,6 +114,11 @@
       </a:defRPr>
     </a:lvl9pPr>
   </p:defaultTextStyle>
+  <p:extLst>
+    <p:ext uri="{EFAFB233-063F-42B5-8137-9DF3F51BA10A}">
+      <p15:sldGuideLst xmlns:p15="http://schemas.microsoft.com/office/powerpoint/2012/main"/>
+    </p:ext>
+  </p:extLst>
 </p:presentation>
 </file>
 
@@ -266,7 +271,7 @@
           <a:p>
             <a:fld id="{82EFF67A-BFAC-4640-90E3-29945A5A6157}" type="datetimeFigureOut">
               <a:rPr lang="en-IN" smtClean="0"/>
-              <a:t>12-09-2023</a:t>
+              <a:t>13-09-2023</a:t>
             </a:fld>
             <a:endParaRPr lang="en-IN"/>
           </a:p>
@@ -466,7 +471,7 @@
           <a:p>
             <a:fld id="{82EFF67A-BFAC-4640-90E3-29945A5A6157}" type="datetimeFigureOut">
               <a:rPr lang="en-IN" smtClean="0"/>
-              <a:t>12-09-2023</a:t>
+              <a:t>13-09-2023</a:t>
             </a:fld>
             <a:endParaRPr lang="en-IN"/>
           </a:p>
@@ -676,7 +681,7 @@
           <a:p>
             <a:fld id="{82EFF67A-BFAC-4640-90E3-29945A5A6157}" type="datetimeFigureOut">
               <a:rPr lang="en-IN" smtClean="0"/>
-              <a:t>12-09-2023</a:t>
+              <a:t>13-09-2023</a:t>
             </a:fld>
             <a:endParaRPr lang="en-IN"/>
           </a:p>
@@ -876,7 +881,7 @@
           <a:p>
             <a:fld id="{82EFF67A-BFAC-4640-90E3-29945A5A6157}" type="datetimeFigureOut">
               <a:rPr lang="en-IN" smtClean="0"/>
-              <a:t>12-09-2023</a:t>
+              <a:t>13-09-2023</a:t>
             </a:fld>
             <a:endParaRPr lang="en-IN"/>
           </a:p>
@@ -1152,7 +1157,7 @@
           <a:p>
             <a:fld id="{82EFF67A-BFAC-4640-90E3-29945A5A6157}" type="datetimeFigureOut">
               <a:rPr lang="en-IN" smtClean="0"/>
-              <a:t>12-09-2023</a:t>
+              <a:t>13-09-2023</a:t>
             </a:fld>
             <a:endParaRPr lang="en-IN"/>
           </a:p>
@@ -1420,7 +1425,7 @@
           <a:p>
             <a:fld id="{82EFF67A-BFAC-4640-90E3-29945A5A6157}" type="datetimeFigureOut">
               <a:rPr lang="en-IN" smtClean="0"/>
-              <a:t>12-09-2023</a:t>
+              <a:t>13-09-2023</a:t>
             </a:fld>
             <a:endParaRPr lang="en-IN"/>
           </a:p>
@@ -1835,7 +1840,7 @@
           <a:p>
             <a:fld id="{82EFF67A-BFAC-4640-90E3-29945A5A6157}" type="datetimeFigureOut">
               <a:rPr lang="en-IN" smtClean="0"/>
-              <a:t>12-09-2023</a:t>
+              <a:t>13-09-2023</a:t>
             </a:fld>
             <a:endParaRPr lang="en-IN"/>
           </a:p>
@@ -1977,7 +1982,7 @@
           <a:p>
             <a:fld id="{82EFF67A-BFAC-4640-90E3-29945A5A6157}" type="datetimeFigureOut">
               <a:rPr lang="en-IN" smtClean="0"/>
-              <a:t>12-09-2023</a:t>
+              <a:t>13-09-2023</a:t>
             </a:fld>
             <a:endParaRPr lang="en-IN"/>
           </a:p>
@@ -2090,7 +2095,7 @@
           <a:p>
             <a:fld id="{82EFF67A-BFAC-4640-90E3-29945A5A6157}" type="datetimeFigureOut">
               <a:rPr lang="en-IN" smtClean="0"/>
-              <a:t>12-09-2023</a:t>
+              <a:t>13-09-2023</a:t>
             </a:fld>
             <a:endParaRPr lang="en-IN"/>
           </a:p>
@@ -2403,7 +2408,7 @@
           <a:p>
             <a:fld id="{82EFF67A-BFAC-4640-90E3-29945A5A6157}" type="datetimeFigureOut">
               <a:rPr lang="en-IN" smtClean="0"/>
-              <a:t>12-09-2023</a:t>
+              <a:t>13-09-2023</a:t>
             </a:fld>
             <a:endParaRPr lang="en-IN"/>
           </a:p>
@@ -2692,7 +2697,7 @@
           <a:p>
             <a:fld id="{82EFF67A-BFAC-4640-90E3-29945A5A6157}" type="datetimeFigureOut">
               <a:rPr lang="en-IN" smtClean="0"/>
-              <a:t>12-09-2023</a:t>
+              <a:t>13-09-2023</a:t>
             </a:fld>
             <a:endParaRPr lang="en-IN"/>
           </a:p>
@@ -2935,7 +2940,7 @@
           <a:p>
             <a:fld id="{82EFF67A-BFAC-4640-90E3-29945A5A6157}" type="datetimeFigureOut">
               <a:rPr lang="en-IN" smtClean="0"/>
-              <a:t>12-09-2023</a:t>
+              <a:t>13-09-2023</a:t>
             </a:fld>
             <a:endParaRPr lang="en-IN"/>
           </a:p>
@@ -3941,7 +3946,7 @@
                 </a:solidFill>
                 <a:latin typeface="Calibri (Body)"/>
               </a:rPr>
-              <a:t>Q6. Which months of the year Madhav Store generate the maximum profit and minimum profit?</a:t>
+              <a:t>Q5. Which months of the year Madhav Store generate the maximum profit and minimum profit?</a:t>
             </a:r>
           </a:p>
         </p:txBody>
